--- a/images/Front-design.pptx
+++ b/images/Front-design.pptx
@@ -5,11 +5,8 @@
     <p:sldMasterId id="2147483648" r:id="rId1"/>
   </p:sldMasterIdLst>
   <p:sldIdLst>
-    <p:sldId id="259" r:id="rId2"/>
-    <p:sldId id="260" r:id="rId3"/>
-    <p:sldId id="262" r:id="rId4"/>
-    <p:sldId id="263" r:id="rId5"/>
-    <p:sldId id="264" r:id="rId6"/>
+    <p:sldId id="260" r:id="rId2"/>
+    <p:sldId id="262" r:id="rId3"/>
   </p:sldIdLst>
   <p:sldSz cx="12192000" cy="6858000"/>
   <p:notesSz cx="6858000" cy="9144000"/>
@@ -247,7 +244,7 @@
           <a:p>
             <a:fld id="{35A37826-251B-4A88-B5F1-14358E59E079}" type="datetimeFigureOut">
               <a:rPr lang="zh-CN" altLang="en-US" smtClean="0"/>
-              <a:t>2025/5/7</a:t>
+              <a:t>2025/6/9</a:t>
             </a:fld>
             <a:endParaRPr lang="zh-CN" altLang="en-US"/>
           </a:p>
@@ -417,7 +414,7 @@
           <a:p>
             <a:fld id="{35A37826-251B-4A88-B5F1-14358E59E079}" type="datetimeFigureOut">
               <a:rPr lang="zh-CN" altLang="en-US" smtClean="0"/>
-              <a:t>2025/5/7</a:t>
+              <a:t>2025/6/9</a:t>
             </a:fld>
             <a:endParaRPr lang="zh-CN" altLang="en-US"/>
           </a:p>
@@ -597,7 +594,7 @@
           <a:p>
             <a:fld id="{35A37826-251B-4A88-B5F1-14358E59E079}" type="datetimeFigureOut">
               <a:rPr lang="zh-CN" altLang="en-US" smtClean="0"/>
-              <a:t>2025/5/7</a:t>
+              <a:t>2025/6/9</a:t>
             </a:fld>
             <a:endParaRPr lang="zh-CN" altLang="en-US"/>
           </a:p>
@@ -767,7 +764,7 @@
           <a:p>
             <a:fld id="{35A37826-251B-4A88-B5F1-14358E59E079}" type="datetimeFigureOut">
               <a:rPr lang="zh-CN" altLang="en-US" smtClean="0"/>
-              <a:t>2025/5/7</a:t>
+              <a:t>2025/6/9</a:t>
             </a:fld>
             <a:endParaRPr lang="zh-CN" altLang="en-US"/>
           </a:p>
@@ -1013,7 +1010,7 @@
           <a:p>
             <a:fld id="{35A37826-251B-4A88-B5F1-14358E59E079}" type="datetimeFigureOut">
               <a:rPr lang="zh-CN" altLang="en-US" smtClean="0"/>
-              <a:t>2025/5/7</a:t>
+              <a:t>2025/6/9</a:t>
             </a:fld>
             <a:endParaRPr lang="zh-CN" altLang="en-US"/>
           </a:p>
@@ -1245,7 +1242,7 @@
           <a:p>
             <a:fld id="{35A37826-251B-4A88-B5F1-14358E59E079}" type="datetimeFigureOut">
               <a:rPr lang="zh-CN" altLang="en-US" smtClean="0"/>
-              <a:t>2025/5/7</a:t>
+              <a:t>2025/6/9</a:t>
             </a:fld>
             <a:endParaRPr lang="zh-CN" altLang="en-US"/>
           </a:p>
@@ -1612,7 +1609,7 @@
           <a:p>
             <a:fld id="{35A37826-251B-4A88-B5F1-14358E59E079}" type="datetimeFigureOut">
               <a:rPr lang="zh-CN" altLang="en-US" smtClean="0"/>
-              <a:t>2025/5/7</a:t>
+              <a:t>2025/6/9</a:t>
             </a:fld>
             <a:endParaRPr lang="zh-CN" altLang="en-US"/>
           </a:p>
@@ -1730,7 +1727,7 @@
           <a:p>
             <a:fld id="{35A37826-251B-4A88-B5F1-14358E59E079}" type="datetimeFigureOut">
               <a:rPr lang="zh-CN" altLang="en-US" smtClean="0"/>
-              <a:t>2025/5/7</a:t>
+              <a:t>2025/6/9</a:t>
             </a:fld>
             <a:endParaRPr lang="zh-CN" altLang="en-US"/>
           </a:p>
@@ -1825,7 +1822,7 @@
           <a:p>
             <a:fld id="{35A37826-251B-4A88-B5F1-14358E59E079}" type="datetimeFigureOut">
               <a:rPr lang="zh-CN" altLang="en-US" smtClean="0"/>
-              <a:t>2025/5/7</a:t>
+              <a:t>2025/6/9</a:t>
             </a:fld>
             <a:endParaRPr lang="zh-CN" altLang="en-US"/>
           </a:p>
@@ -2102,7 +2099,7 @@
           <a:p>
             <a:fld id="{35A37826-251B-4A88-B5F1-14358E59E079}" type="datetimeFigureOut">
               <a:rPr lang="zh-CN" altLang="en-US" smtClean="0"/>
-              <a:t>2025/5/7</a:t>
+              <a:t>2025/6/9</a:t>
             </a:fld>
             <a:endParaRPr lang="zh-CN" altLang="en-US"/>
           </a:p>
@@ -2355,7 +2352,7 @@
           <a:p>
             <a:fld id="{35A37826-251B-4A88-B5F1-14358E59E079}" type="datetimeFigureOut">
               <a:rPr lang="zh-CN" altLang="en-US" smtClean="0"/>
-              <a:t>2025/5/7</a:t>
+              <a:t>2025/6/9</a:t>
             </a:fld>
             <a:endParaRPr lang="zh-CN" altLang="en-US"/>
           </a:p>
@@ -2568,7 +2565,7 @@
           <a:p>
             <a:fld id="{35A37826-251B-4A88-B5F1-14358E59E079}" type="datetimeFigureOut">
               <a:rPr lang="zh-CN" altLang="en-US" smtClean="0"/>
-              <a:t>2025/5/7</a:t>
+              <a:t>2025/6/9</a:t>
             </a:fld>
             <a:endParaRPr lang="zh-CN" altLang="en-US"/>
           </a:p>
@@ -2982,483 +2979,6 @@
         <p:spPr>
           <a:xfrm>
             <a:off x="579120" y="457201"/>
-            <a:ext cx="3888105" cy="5629274"/>
-          </a:xfrm>
-          <a:prstGeom prst="rect">
-            <a:avLst/>
-          </a:prstGeom>
-          <a:solidFill>
-            <a:srgbClr val="FFFEFB"/>
-          </a:solidFill>
-          <a:ln w="15875" cap="sq" cmpd="thickThin">
-            <a:solidFill>
-              <a:schemeClr val="accent6">
-                <a:lumMod val="60000"/>
-                <a:lumOff val="40000"/>
-              </a:schemeClr>
-            </a:solidFill>
-          </a:ln>
-        </p:spPr>
-        <p:style>
-          <a:lnRef idx="2">
-            <a:schemeClr val="accent1">
-              <a:shade val="50000"/>
-            </a:schemeClr>
-          </a:lnRef>
-          <a:fillRef idx="1">
-            <a:schemeClr val="accent1"/>
-          </a:fillRef>
-          <a:effectRef idx="0">
-            <a:schemeClr val="accent1"/>
-          </a:effectRef>
-          <a:fontRef idx="minor">
-            <a:schemeClr val="lt1"/>
-          </a:fontRef>
-        </p:style>
-        <p:txBody>
-          <a:bodyPr rtlCol="0" anchor="ctr"/>
-          <a:lstStyle/>
-          <a:p>
-            <a:pPr algn="ctr"/>
-            <a:endParaRPr lang="zh-CN" altLang="en-US" dirty="0">
-              <a:solidFill>
-                <a:srgbClr val="C00000"/>
-              </a:solidFill>
-              <a:latin typeface="微软雅黑" panose="020B0503020204020204" pitchFamily="34" charset="-122"/>
-              <a:ea typeface="微软雅黑" panose="020B0503020204020204" pitchFamily="34" charset="-122"/>
-            </a:endParaRPr>
-          </a:p>
-        </p:txBody>
-      </p:sp>
-      <p:sp>
-        <p:nvSpPr>
-          <p:cNvPr id="5" name="矩形 4"/>
-          <p:cNvSpPr/>
-          <p:nvPr/>
-        </p:nvSpPr>
-        <p:spPr>
-          <a:xfrm>
-            <a:off x="719114" y="626864"/>
-            <a:ext cx="1151277" cy="369332"/>
-          </a:xfrm>
-          <a:prstGeom prst="rect">
-            <a:avLst/>
-          </a:prstGeom>
-        </p:spPr>
-        <p:txBody>
-          <a:bodyPr wrap="none">
-            <a:spAutoFit/>
-          </a:bodyPr>
-          <a:lstStyle/>
-          <a:p>
-            <a:pPr algn="ctr"/>
-            <a:r>
-              <a:rPr lang="en-US" altLang="zh-CN" dirty="0" err="1" smtClean="0">
-                <a:solidFill>
-                  <a:srgbClr val="C00000"/>
-                </a:solidFill>
-                <a:latin typeface="微软雅黑" panose="020B0503020204020204" pitchFamily="34" charset="-122"/>
-                <a:ea typeface="微软雅黑" panose="020B0503020204020204" pitchFamily="34" charset="-122"/>
-              </a:rPr>
-              <a:t>lianxh.cn</a:t>
-            </a:r>
-            <a:endParaRPr lang="zh-CN" altLang="en-US" dirty="0">
-              <a:solidFill>
-                <a:srgbClr val="C00000"/>
-              </a:solidFill>
-              <a:latin typeface="微软雅黑" panose="020B0503020204020204" pitchFamily="34" charset="-122"/>
-              <a:ea typeface="微软雅黑" panose="020B0503020204020204" pitchFamily="34" charset="-122"/>
-            </a:endParaRPr>
-          </a:p>
-        </p:txBody>
-      </p:sp>
-      <p:sp>
-        <p:nvSpPr>
-          <p:cNvPr id="6" name="矩形 5"/>
-          <p:cNvSpPr/>
-          <p:nvPr/>
-        </p:nvSpPr>
-        <p:spPr>
-          <a:xfrm>
-            <a:off x="579121" y="1131570"/>
-            <a:ext cx="3844290" cy="646331"/>
-          </a:xfrm>
-          <a:prstGeom prst="rect">
-            <a:avLst/>
-          </a:prstGeom>
-        </p:spPr>
-        <p:txBody>
-          <a:bodyPr wrap="square" lIns="36000" rIns="36000">
-            <a:spAutoFit/>
-          </a:bodyPr>
-          <a:lstStyle/>
-          <a:p>
-            <a:r>
-              <a:rPr lang="zh-CN" altLang="en-US" sz="1200" b="1" kern="0" dirty="0" smtClean="0">
-                <a:solidFill>
-                  <a:schemeClr val="accent5">
-                    <a:lumMod val="50000"/>
-                  </a:schemeClr>
-                </a:solidFill>
-                <a:latin typeface="微软雅黑" panose="020B0503020204020204" pitchFamily="34" charset="-122"/>
-                <a:ea typeface="微软雅黑" panose="020B0503020204020204" pitchFamily="34" charset="-122"/>
-              </a:rPr>
-              <a:t>    </a:t>
-            </a:r>
-            <a:r>
-              <a:rPr lang="zh-CN" altLang="en-US" sz="3600" b="1" kern="0" spc="2000" dirty="0" smtClean="0">
-                <a:solidFill>
-                  <a:schemeClr val="accent5">
-                    <a:lumMod val="50000"/>
-                  </a:schemeClr>
-                </a:solidFill>
-                <a:latin typeface="微软雅黑" panose="020B0503020204020204" pitchFamily="34" charset="-122"/>
-                <a:ea typeface="微软雅黑" panose="020B0503020204020204" pitchFamily="34" charset="-122"/>
-              </a:rPr>
-              <a:t>连享会课程</a:t>
-            </a:r>
-            <a:endParaRPr lang="zh-CN" altLang="en-US" sz="3600" b="1" kern="0" spc="2000" dirty="0">
-              <a:solidFill>
-                <a:schemeClr val="accent5">
-                  <a:lumMod val="50000"/>
-                </a:schemeClr>
-              </a:solidFill>
-              <a:latin typeface="微软雅黑" panose="020B0503020204020204" pitchFamily="34" charset="-122"/>
-              <a:ea typeface="微软雅黑" panose="020B0503020204020204" pitchFamily="34" charset="-122"/>
-            </a:endParaRPr>
-          </a:p>
-        </p:txBody>
-      </p:sp>
-      <p:sp>
-        <p:nvSpPr>
-          <p:cNvPr id="7" name="矩形 6"/>
-          <p:cNvSpPr/>
-          <p:nvPr/>
-        </p:nvSpPr>
-        <p:spPr>
-          <a:xfrm>
-            <a:off x="731191" y="1917680"/>
-            <a:ext cx="3692220" cy="1052596"/>
-          </a:xfrm>
-          <a:prstGeom prst="rect">
-            <a:avLst/>
-          </a:prstGeom>
-        </p:spPr>
-        <p:txBody>
-          <a:bodyPr wrap="square">
-            <a:spAutoFit/>
-          </a:bodyPr>
-          <a:lstStyle/>
-          <a:p>
-            <a:pPr>
-              <a:lnSpc>
-                <a:spcPct val="130000"/>
-              </a:lnSpc>
-            </a:pPr>
-            <a:r>
-              <a:rPr lang="zh-CN" altLang="en-US" sz="1600" dirty="0" smtClean="0">
-                <a:solidFill>
-                  <a:srgbClr val="7A5D00"/>
-                </a:solidFill>
-                <a:latin typeface="微软雅黑 Light" panose="020B0502040204020203" pitchFamily="34" charset="-122"/>
-                <a:ea typeface="微软雅黑 Light" panose="020B0502040204020203" pitchFamily="34" charset="-122"/>
-              </a:rPr>
-              <a:t>机器学习</a:t>
-            </a:r>
-            <a:r>
-              <a:rPr lang="en-US" altLang="zh-CN" sz="1600" dirty="0" smtClean="0">
-                <a:solidFill>
-                  <a:srgbClr val="7A5D00"/>
-                </a:solidFill>
-                <a:latin typeface="微软雅黑 Light" panose="020B0502040204020203" pitchFamily="34" charset="-122"/>
-                <a:ea typeface="微软雅黑 Light" panose="020B0502040204020203" pitchFamily="34" charset="-122"/>
-              </a:rPr>
-              <a:t>, </a:t>
-            </a:r>
-            <a:r>
-              <a:rPr lang="zh-CN" altLang="en-US" sz="1600" dirty="0" smtClean="0">
-                <a:solidFill>
-                  <a:srgbClr val="7A5D00"/>
-                </a:solidFill>
-                <a:latin typeface="微软雅黑 Light" panose="020B0502040204020203" pitchFamily="34" charset="-122"/>
-                <a:ea typeface="微软雅黑 Light" panose="020B0502040204020203" pitchFamily="34" charset="-122"/>
-              </a:rPr>
-              <a:t>因果推断</a:t>
-            </a:r>
-            <a:r>
-              <a:rPr lang="en-US" altLang="zh-CN" sz="1600" dirty="0" smtClean="0">
-                <a:solidFill>
-                  <a:srgbClr val="7A5D00"/>
-                </a:solidFill>
-                <a:latin typeface="微软雅黑 Light" panose="020B0502040204020203" pitchFamily="34" charset="-122"/>
-                <a:ea typeface="微软雅黑 Light" panose="020B0502040204020203" pitchFamily="34" charset="-122"/>
-              </a:rPr>
-              <a:t>, </a:t>
-            </a:r>
-            <a:r>
-              <a:rPr lang="zh-CN" altLang="en-US" sz="1600" dirty="0" smtClean="0">
-                <a:solidFill>
-                  <a:srgbClr val="7A5D00"/>
-                </a:solidFill>
-                <a:latin typeface="微软雅黑 Light" panose="020B0502040204020203" pitchFamily="34" charset="-122"/>
-                <a:ea typeface="微软雅黑 Light" panose="020B0502040204020203" pitchFamily="34" charset="-122"/>
-              </a:rPr>
-              <a:t>政策优化</a:t>
-            </a:r>
-            <a:r>
-              <a:rPr lang="en-US" altLang="zh-CN" sz="1600" dirty="0" smtClean="0">
-                <a:solidFill>
-                  <a:srgbClr val="7A5D00"/>
-                </a:solidFill>
-                <a:latin typeface="微软雅黑 Light" panose="020B0502040204020203" pitchFamily="34" charset="-122"/>
-                <a:ea typeface="微软雅黑 Light" panose="020B0502040204020203" pitchFamily="34" charset="-122"/>
-              </a:rPr>
-              <a:t>, </a:t>
-            </a:r>
-          </a:p>
-          <a:p>
-            <a:pPr>
-              <a:lnSpc>
-                <a:spcPct val="130000"/>
-              </a:lnSpc>
-            </a:pPr>
-            <a:r>
-              <a:rPr lang="zh-CN" altLang="en-US" sz="1600" dirty="0" smtClean="0">
-                <a:solidFill>
-                  <a:srgbClr val="7A5D00"/>
-                </a:solidFill>
-                <a:latin typeface="微软雅黑 Light" panose="020B0502040204020203" pitchFamily="34" charset="-122"/>
-                <a:ea typeface="微软雅黑 Light" panose="020B0502040204020203" pitchFamily="34" charset="-122"/>
-              </a:rPr>
-              <a:t>空间计量</a:t>
-            </a:r>
-            <a:r>
-              <a:rPr lang="en-US" altLang="zh-CN" sz="1600" dirty="0" smtClean="0">
-                <a:solidFill>
-                  <a:srgbClr val="7A5D00"/>
-                </a:solidFill>
-                <a:latin typeface="微软雅黑 Light" panose="020B0502040204020203" pitchFamily="34" charset="-122"/>
-                <a:ea typeface="微软雅黑 Light" panose="020B0502040204020203" pitchFamily="34" charset="-122"/>
-              </a:rPr>
-              <a:t>, </a:t>
-            </a:r>
-            <a:r>
-              <a:rPr lang="zh-CN" altLang="en-US" sz="1600" dirty="0" smtClean="0">
-                <a:solidFill>
-                  <a:srgbClr val="7A5D00"/>
-                </a:solidFill>
-                <a:latin typeface="微软雅黑 Light" panose="020B0502040204020203" pitchFamily="34" charset="-122"/>
-                <a:ea typeface="微软雅黑 Light" panose="020B0502040204020203" pitchFamily="34" charset="-122"/>
-              </a:rPr>
-              <a:t>文本分析</a:t>
-            </a:r>
-            <a:r>
-              <a:rPr lang="en-US" altLang="zh-CN" sz="1600" dirty="0" smtClean="0">
-                <a:solidFill>
-                  <a:srgbClr val="7A5D00"/>
-                </a:solidFill>
-                <a:latin typeface="微软雅黑 Light" panose="020B0502040204020203" pitchFamily="34" charset="-122"/>
-                <a:ea typeface="微软雅黑 Light" panose="020B0502040204020203" pitchFamily="34" charset="-122"/>
-              </a:rPr>
-              <a:t>, R </a:t>
-            </a:r>
-            <a:r>
-              <a:rPr lang="zh-CN" altLang="en-US" sz="1600" dirty="0" smtClean="0">
-                <a:solidFill>
-                  <a:srgbClr val="7A5D00"/>
-                </a:solidFill>
-                <a:latin typeface="微软雅黑 Light" panose="020B0502040204020203" pitchFamily="34" charset="-122"/>
-                <a:ea typeface="微软雅黑 Light" panose="020B0502040204020203" pitchFamily="34" charset="-122"/>
-              </a:rPr>
-              <a:t>语言</a:t>
-            </a:r>
-            <a:r>
-              <a:rPr lang="en-US" altLang="zh-CN" sz="1600" dirty="0" smtClean="0">
-                <a:solidFill>
-                  <a:srgbClr val="7A5D00"/>
-                </a:solidFill>
-                <a:latin typeface="微软雅黑 Light" panose="020B0502040204020203" pitchFamily="34" charset="-122"/>
-                <a:ea typeface="微软雅黑 Light" panose="020B0502040204020203" pitchFamily="34" charset="-122"/>
-              </a:rPr>
-              <a:t>, </a:t>
-            </a:r>
-            <a:r>
-              <a:rPr lang="zh-CN" altLang="en-US" sz="1600" dirty="0" smtClean="0">
-                <a:solidFill>
-                  <a:srgbClr val="7A5D00"/>
-                </a:solidFill>
-                <a:latin typeface="微软雅黑 Light" panose="020B0502040204020203" pitchFamily="34" charset="-122"/>
-                <a:ea typeface="微软雅黑 Light" panose="020B0502040204020203" pitchFamily="34" charset="-122"/>
-              </a:rPr>
-              <a:t>可视化</a:t>
-            </a:r>
-            <a:r>
-              <a:rPr lang="en-US" altLang="zh-CN" sz="1600" dirty="0" smtClean="0">
-                <a:solidFill>
-                  <a:srgbClr val="7A5D00"/>
-                </a:solidFill>
-                <a:latin typeface="微软雅黑 Light" panose="020B0502040204020203" pitchFamily="34" charset="-122"/>
-                <a:ea typeface="微软雅黑 Light" panose="020B0502040204020203" pitchFamily="34" charset="-122"/>
-              </a:rPr>
-              <a:t>, </a:t>
-            </a:r>
-          </a:p>
-          <a:p>
-            <a:pPr>
-              <a:lnSpc>
-                <a:spcPct val="130000"/>
-              </a:lnSpc>
-            </a:pPr>
-            <a:r>
-              <a:rPr lang="zh-CN" altLang="en-US" sz="1600" dirty="0" smtClean="0">
-                <a:solidFill>
-                  <a:srgbClr val="7A5D00"/>
-                </a:solidFill>
-                <a:latin typeface="微软雅黑 Light" panose="020B0502040204020203" pitchFamily="34" charset="-122"/>
-                <a:ea typeface="微软雅黑 Light" panose="020B0502040204020203" pitchFamily="34" charset="-122"/>
-              </a:rPr>
-              <a:t>论文精讲与复现</a:t>
-            </a:r>
-            <a:endParaRPr lang="zh-CN" altLang="en-US" sz="1600" dirty="0">
-              <a:solidFill>
-                <a:srgbClr val="7A5D00"/>
-              </a:solidFill>
-              <a:latin typeface="微软雅黑 Light" panose="020B0502040204020203" pitchFamily="34" charset="-122"/>
-              <a:ea typeface="微软雅黑 Light" panose="020B0502040204020203" pitchFamily="34" charset="-122"/>
-            </a:endParaRPr>
-          </a:p>
-        </p:txBody>
-      </p:sp>
-      <p:sp>
-        <p:nvSpPr>
-          <p:cNvPr id="10" name="矩形 9"/>
-          <p:cNvSpPr/>
-          <p:nvPr/>
-        </p:nvSpPr>
-        <p:spPr>
-          <a:xfrm>
-            <a:off x="1079225" y="5550038"/>
-            <a:ext cx="3344185" cy="369332"/>
-          </a:xfrm>
-          <a:prstGeom prst="rect">
-            <a:avLst/>
-          </a:prstGeom>
-        </p:spPr>
-        <p:txBody>
-          <a:bodyPr wrap="none">
-            <a:spAutoFit/>
-          </a:bodyPr>
-          <a:lstStyle/>
-          <a:p>
-            <a:pPr algn="r"/>
-            <a:r>
-              <a:rPr lang="en-US" altLang="zh-CN" dirty="0" smtClean="0"/>
-              <a:t>A measured step is a smart step</a:t>
-            </a:r>
-            <a:endParaRPr lang="zh-CN" altLang="en-US" dirty="0"/>
-          </a:p>
-        </p:txBody>
-      </p:sp>
-      <p:pic>
-        <p:nvPicPr>
-          <p:cNvPr id="2" name="图片 1"/>
-          <p:cNvPicPr>
-            <a:picLocks noChangeAspect="1"/>
-          </p:cNvPicPr>
-          <p:nvPr/>
-        </p:nvPicPr>
-        <p:blipFill>
-          <a:blip r:embed="rId2" cstate="print">
-            <a:extLst>
-              <a:ext uri="{28A0092B-C50C-407E-A947-70E740481C1C}">
-                <a14:useLocalDpi xmlns:a14="http://schemas.microsoft.com/office/drawing/2010/main" val="0"/>
-              </a:ext>
-            </a:extLst>
-          </a:blip>
-          <a:stretch>
-            <a:fillRect/>
-          </a:stretch>
-        </p:blipFill>
-        <p:spPr>
-          <a:xfrm>
-            <a:off x="1694042" y="3035438"/>
-            <a:ext cx="2609850" cy="2609850"/>
-          </a:xfrm>
-          <a:prstGeom prst="rect">
-            <a:avLst/>
-          </a:prstGeom>
-        </p:spPr>
-      </p:pic>
-      <p:pic>
-        <p:nvPicPr>
-          <p:cNvPr id="3" name="图片 2"/>
-          <p:cNvPicPr>
-            <a:picLocks noChangeAspect="1"/>
-          </p:cNvPicPr>
-          <p:nvPr/>
-        </p:nvPicPr>
-        <p:blipFill>
-          <a:blip r:embed="rId3"/>
-          <a:stretch>
-            <a:fillRect/>
-          </a:stretch>
-        </p:blipFill>
-        <p:spPr>
-          <a:xfrm>
-            <a:off x="6549973" y="626864"/>
-            <a:ext cx="4121253" cy="5645385"/>
-          </a:xfrm>
-          <a:prstGeom prst="rect">
-            <a:avLst/>
-          </a:prstGeom>
-        </p:spPr>
-      </p:pic>
-    </p:spTree>
-    <p:extLst>
-      <p:ext uri="{BB962C8B-B14F-4D97-AF65-F5344CB8AC3E}">
-        <p14:creationId xmlns:p14="http://schemas.microsoft.com/office/powerpoint/2010/main" val="3444282227"/>
-      </p:ext>
-    </p:extLst>
-  </p:cSld>
-  <p:clrMapOvr>
-    <a:masterClrMapping/>
-  </p:clrMapOvr>
-  <p:timing>
-    <p:tnLst>
-      <p:par>
-        <p:cTn id="1" dur="indefinite" restart="never" nodeType="tmRoot"/>
-      </p:par>
-    </p:tnLst>
-  </p:timing>
-</p:sld>
-</file>
-
-<file path=ppt/slides/slide2.xml><?xml version="1.0" encoding="utf-8"?>
-<p:sld xmlns:a="http://schemas.openxmlformats.org/drawingml/2006/main" xmlns:r="http://schemas.openxmlformats.org/officeDocument/2006/relationships" xmlns:p="http://schemas.openxmlformats.org/presentationml/2006/main">
-  <p:cSld>
-    <p:spTree>
-      <p:nvGrpSpPr>
-        <p:cNvPr id="1" name=""/>
-        <p:cNvGrpSpPr/>
-        <p:nvPr/>
-      </p:nvGrpSpPr>
-      <p:grpSpPr>
-        <a:xfrm>
-          <a:off x="0" y="0"/>
-          <a:ext cx="0" cy="0"/>
-          <a:chOff x="0" y="0"/>
-          <a:chExt cx="0" cy="0"/>
-        </a:xfrm>
-      </p:grpSpPr>
-      <p:sp>
-        <p:nvSpPr>
-          <p:cNvPr id="4" name="矩形 3"/>
-          <p:cNvSpPr/>
-          <p:nvPr/>
-        </p:nvSpPr>
-        <p:spPr>
-          <a:xfrm>
-            <a:off x="579120" y="457201"/>
             <a:ext cx="3888105" cy="4933949"/>
           </a:xfrm>
           <a:prstGeom prst="rect">
@@ -3469,11 +2989,8 @@
               <a:gs pos="21000">
                 <a:schemeClr val="bg1"/>
               </a:gs>
-              <a:gs pos="56000">
-                <a:schemeClr val="accent4">
-                  <a:lumMod val="20000"/>
-                  <a:lumOff val="80000"/>
-                </a:schemeClr>
+              <a:gs pos="97000">
+                <a:srgbClr val="92D050"/>
               </a:gs>
             </a:gsLst>
             <a:lin ang="5400000" scaled="1"/>
@@ -3535,8 +3052,8 @@
         </p:nvSpPr>
         <p:spPr>
           <a:xfrm>
-            <a:off x="579121" y="957208"/>
-            <a:ext cx="3844290" cy="1138773"/>
+            <a:off x="622935" y="2522479"/>
+            <a:ext cx="3844290" cy="584775"/>
           </a:xfrm>
           <a:prstGeom prst="rect">
             <a:avLst/>
@@ -3549,39 +3066,6 @@
           <a:lstStyle/>
           <a:p>
             <a:pPr algn="ctr"/>
-            <a:r>
-              <a:rPr lang="zh-CN" altLang="en-US" sz="1200" b="1" kern="0" spc="300" dirty="0" smtClean="0">
-                <a:solidFill>
-                  <a:srgbClr val="7030A0"/>
-                </a:solidFill>
-                <a:latin typeface="微软雅黑" panose="020B0503020204020204" pitchFamily="34" charset="-122"/>
-                <a:ea typeface="微软雅黑" panose="020B0503020204020204" pitchFamily="34" charset="-122"/>
-              </a:rPr>
-              <a:t>  </a:t>
-            </a:r>
-            <a:r>
-              <a:rPr lang="en-US" altLang="zh-CN" sz="3600" b="1" kern="0" spc="300" dirty="0" smtClean="0">
-                <a:solidFill>
-                  <a:srgbClr val="7030A0"/>
-                </a:solidFill>
-                <a:latin typeface="微软雅黑" panose="020B0503020204020204" pitchFamily="34" charset="-122"/>
-                <a:ea typeface="微软雅黑" panose="020B0503020204020204" pitchFamily="34" charset="-122"/>
-              </a:rPr>
-              <a:t>Data Science </a:t>
-            </a:r>
-          </a:p>
-          <a:p>
-            <a:pPr algn="ctr"/>
-            <a:r>
-              <a:rPr lang="en-US" altLang="zh-CN" sz="3200" kern="0" spc="300" dirty="0">
-                <a:solidFill>
-                  <a:srgbClr val="7030A0"/>
-                </a:solidFill>
-                <a:latin typeface="微软雅黑" panose="020B0503020204020204" pitchFamily="34" charset="-122"/>
-                <a:ea typeface="微软雅黑" panose="020B0503020204020204" pitchFamily="34" charset="-122"/>
-              </a:rPr>
-              <a:t>with</a:t>
-            </a:r>
             <a:r>
               <a:rPr lang="en-US" altLang="zh-CN" sz="3200" b="1" kern="0" spc="300" dirty="0" smtClean="0">
                 <a:solidFill>
@@ -3590,21 +3074,11 @@
                 <a:latin typeface="微软雅黑" panose="020B0503020204020204" pitchFamily="34" charset="-122"/>
                 <a:ea typeface="微软雅黑" panose="020B0503020204020204" pitchFamily="34" charset="-122"/>
               </a:rPr>
-              <a:t> </a:t>
-            </a:r>
-            <a:r>
-              <a:rPr lang="en-US" altLang="zh-CN" sz="3200" b="1" kern="0" spc="300" dirty="0" smtClean="0">
-                <a:solidFill>
-                  <a:srgbClr val="00B0F0"/>
-                </a:solidFill>
-                <a:latin typeface="微软雅黑" panose="020B0503020204020204" pitchFamily="34" charset="-122"/>
-                <a:ea typeface="微软雅黑" panose="020B0503020204020204" pitchFamily="34" charset="-122"/>
-              </a:rPr>
-              <a:t>Python</a:t>
-            </a:r>
-            <a:endParaRPr lang="en-US" altLang="zh-CN" sz="3200" b="1" kern="0" spc="300" dirty="0" smtClean="0">
+              <a:t>Quarto Book</a:t>
+            </a:r>
+            <a:endParaRPr lang="en-US" altLang="zh-CN" sz="6600" b="1" kern="0" spc="300" dirty="0" smtClean="0">
               <a:solidFill>
-                <a:srgbClr val="00B0F0"/>
+                <a:srgbClr val="7030A0"/>
               </a:solidFill>
               <a:latin typeface="微软雅黑" panose="020B0503020204020204" pitchFamily="34" charset="-122"/>
               <a:ea typeface="微软雅黑" panose="020B0503020204020204" pitchFamily="34" charset="-122"/>
@@ -3612,30 +3086,6 @@
           </a:p>
         </p:txBody>
       </p:sp>
-      <p:pic>
-        <p:nvPicPr>
-          <p:cNvPr id="12" name="图片 11"/>
-          <p:cNvPicPr>
-            <a:picLocks noChangeAspect="1"/>
-          </p:cNvPicPr>
-          <p:nvPr/>
-        </p:nvPicPr>
-        <p:blipFill>
-          <a:blip r:embed="rId2"/>
-          <a:stretch>
-            <a:fillRect/>
-          </a:stretch>
-        </p:blipFill>
-        <p:spPr>
-          <a:xfrm>
-            <a:off x="2016275" y="2837036"/>
-            <a:ext cx="1129266" cy="1116613"/>
-          </a:xfrm>
-          <a:prstGeom prst="rect">
-            <a:avLst/>
-          </a:prstGeom>
-        </p:spPr>
-      </p:pic>
       <p:sp>
         <p:nvSpPr>
           <p:cNvPr id="3" name="文本框 2"/>
@@ -3651,7 +3101,7 @@
             <a:avLst/>
           </a:prstGeom>
           <a:solidFill>
-            <a:srgbClr val="7030A0"/>
+            <a:srgbClr val="00B050"/>
           </a:solidFill>
         </p:spPr>
         <p:txBody>
@@ -3679,7 +3129,7 @@
             <a:avLst/>
           </a:prstGeom>
           <a:solidFill>
-            <a:srgbClr val="7030A0"/>
+            <a:srgbClr val="00B050"/>
           </a:solidFill>
         </p:spPr>
         <p:txBody>
@@ -3736,22 +3186,28 @@
       </p:sp>
       <p:pic>
         <p:nvPicPr>
-          <p:cNvPr id="7" name="图片 6"/>
+          <p:cNvPr id="2" name="图片 1"/>
           <p:cNvPicPr>
             <a:picLocks noChangeAspect="1"/>
           </p:cNvPicPr>
           <p:nvPr/>
         </p:nvPicPr>
         <p:blipFill>
-          <a:blip r:embed="rId3"/>
+          <a:blip r:embed="rId2" cstate="print">
+            <a:extLst>
+              <a:ext uri="{28A0092B-C50C-407E-A947-70E740481C1C}">
+                <a14:useLocalDpi xmlns:a14="http://schemas.microsoft.com/office/drawing/2010/main" val="0"/>
+              </a:ext>
+            </a:extLst>
+          </a:blip>
           <a:stretch>
             <a:fillRect/>
           </a:stretch>
         </p:blipFill>
         <p:spPr>
           <a:xfrm>
-            <a:off x="6726589" y="826533"/>
-            <a:ext cx="4200508" cy="5108891"/>
+            <a:off x="1272745" y="745113"/>
+            <a:ext cx="2179063" cy="1452708"/>
           </a:xfrm>
           <a:prstGeom prst="rect">
             <a:avLst/>
@@ -3778,7 +3234,7 @@
 </p:sld>
 </file>
 
-<file path=ppt/slides/slide3.xml><?xml version="1.0" encoding="utf-8"?>
+<file path=ppt/slides/slide2.xml><?xml version="1.0" encoding="utf-8"?>
 <p:sld xmlns:a="http://schemas.openxmlformats.org/drawingml/2006/main" xmlns:r="http://schemas.openxmlformats.org/officeDocument/2006/relationships" xmlns:p="http://schemas.openxmlformats.org/presentationml/2006/main">
   <p:cSld>
     <p:spTree>
@@ -3829,36 +3285,6 @@
           </a:p>
         </p:txBody>
       </p:sp>
-      <p:pic>
-        <p:nvPicPr>
-          <p:cNvPr id="6" name="图片 5"/>
-          <p:cNvPicPr>
-            <a:picLocks noChangeAspect="1"/>
-          </p:cNvPicPr>
-          <p:nvPr/>
-        </p:nvPicPr>
-        <p:blipFill>
-          <a:blip r:embed="rId2">
-            <a:extLst>
-              <a:ext uri="{28A0092B-C50C-407E-A947-70E740481C1C}">
-                <a14:useLocalDpi xmlns:a14="http://schemas.microsoft.com/office/drawing/2010/main" val="0"/>
-              </a:ext>
-            </a:extLst>
-          </a:blip>
-          <a:stretch>
-            <a:fillRect/>
-          </a:stretch>
-        </p:blipFill>
-        <p:spPr>
-          <a:xfrm>
-            <a:off x="1104900" y="4053201"/>
-            <a:ext cx="1943100" cy="1828800"/>
-          </a:xfrm>
-          <a:prstGeom prst="rect">
-            <a:avLst/>
-          </a:prstGeom>
-        </p:spPr>
-      </p:pic>
       <p:sp>
         <p:nvSpPr>
           <p:cNvPr id="8" name="椭圆 7"/>
@@ -3917,14 +3343,14 @@
         </p:nvSpPr>
         <p:spPr>
           <a:xfrm>
-            <a:off x="1212600" y="1417377"/>
+            <a:off x="1104900" y="1726296"/>
             <a:ext cx="1080000" cy="1080000"/>
           </a:xfrm>
           <a:prstGeom prst="rect">
             <a:avLst/>
           </a:prstGeom>
           <a:solidFill>
-            <a:srgbClr val="7030A0"/>
+            <a:srgbClr val="00B050"/>
           </a:solidFill>
           <a:ln>
             <a:noFill/>
@@ -3947,28 +3373,38 @@
           </a:fontRef>
         </p:style>
         <p:txBody>
-          <a:bodyPr rtlCol="0" anchor="ctr"/>
-          <a:lstStyle/>
-          <a:p>
-            <a:pPr algn="ctr"/>
-            <a:r>
-              <a:rPr lang="en-US" altLang="zh-CN" sz="4400" b="1" spc="600" dirty="0" smtClean="0">
+          <a:bodyPr lIns="0" tIns="0" rIns="0" bIns="0" rtlCol="0" anchor="ctr"/>
+          <a:lstStyle/>
+          <a:p>
+            <a:pPr algn="ctr">
+              <a:lnSpc>
+                <a:spcPts val="3500"/>
+              </a:lnSpc>
+            </a:pPr>
+            <a:r>
+              <a:rPr lang="en-US" altLang="zh-CN" sz="2800" b="1" dirty="0">
                 <a:solidFill>
                   <a:srgbClr val="FEC008"/>
                 </a:solidFill>
-                <a:latin typeface="Algerian" panose="04020705040A02060702" pitchFamily="82" charset="0"/>
+                <a:latin typeface="Arial Narrow" panose="020B0606020202030204" pitchFamily="34" charset="0"/>
               </a:rPr>
-              <a:t>DS</a:t>
-            </a:r>
+              <a:t>Quarto</a:t>
+            </a:r>
+            <a:endParaRPr lang="en-US" altLang="zh-CN" sz="2800" b="1" dirty="0" smtClean="0">
+              <a:solidFill>
+                <a:srgbClr val="FEC008"/>
+              </a:solidFill>
+              <a:latin typeface="Arial Narrow" panose="020B0606020202030204" pitchFamily="34" charset="0"/>
+            </a:endParaRPr>
           </a:p>
           <a:p>
             <a:pPr algn="ctr">
               <a:lnSpc>
-                <a:spcPts val="2300"/>
+                <a:spcPts val="3500"/>
               </a:lnSpc>
             </a:pPr>
             <a:r>
-              <a:rPr lang="en-US" altLang="zh-CN" sz="4000" b="1" dirty="0" smtClean="0">
+              <a:rPr lang="en-US" altLang="zh-CN" sz="3200" b="1" spc="300" dirty="0" smtClean="0">
                 <a:solidFill>
                   <a:schemeClr val="bg1"/>
                 </a:solidFill>
@@ -3976,7 +3412,7 @@
               </a:rPr>
               <a:t>book</a:t>
             </a:r>
-            <a:endParaRPr lang="zh-CN" altLang="en-US" sz="4000" b="1" dirty="0">
+            <a:endParaRPr lang="zh-CN" altLang="en-US" sz="3200" b="1" spc="300" dirty="0">
               <a:solidFill>
                 <a:schemeClr val="bg1"/>
               </a:solidFill>
@@ -3985,30 +3421,6 @@
           </a:p>
         </p:txBody>
       </p:sp>
-      <p:pic>
-        <p:nvPicPr>
-          <p:cNvPr id="2" name="图片 1"/>
-          <p:cNvPicPr>
-            <a:picLocks noChangeAspect="1"/>
-          </p:cNvPicPr>
-          <p:nvPr/>
-        </p:nvPicPr>
-        <p:blipFill>
-          <a:blip r:embed="rId3"/>
-          <a:stretch>
-            <a:fillRect/>
-          </a:stretch>
-        </p:blipFill>
-        <p:spPr>
-          <a:xfrm>
-            <a:off x="5861659" y="1788769"/>
-            <a:ext cx="602032" cy="594412"/>
-          </a:xfrm>
-          <a:prstGeom prst="rect">
-            <a:avLst/>
-          </a:prstGeom>
-        </p:spPr>
-      </p:pic>
     </p:spTree>
     <p:extLst>
       <p:ext uri="{BB962C8B-B14F-4D97-AF65-F5344CB8AC3E}">
@@ -4026,450 +3438,6 @@
       </p:par>
     </p:tnLst>
   </p:timing>
-</p:sld>
-</file>
-
-<file path=ppt/slides/slide4.xml><?xml version="1.0" encoding="utf-8"?>
-<p:sld xmlns:a="http://schemas.openxmlformats.org/drawingml/2006/main" xmlns:r="http://schemas.openxmlformats.org/officeDocument/2006/relationships" xmlns:p="http://schemas.openxmlformats.org/presentationml/2006/main">
-  <p:cSld>
-    <p:spTree>
-      <p:nvGrpSpPr>
-        <p:cNvPr id="1" name=""/>
-        <p:cNvGrpSpPr/>
-        <p:nvPr/>
-      </p:nvGrpSpPr>
-      <p:grpSpPr>
-        <a:xfrm>
-          <a:off x="0" y="0"/>
-          <a:ext cx="0" cy="0"/>
-          <a:chOff x="0" y="0"/>
-          <a:chExt cx="0" cy="0"/>
-        </a:xfrm>
-      </p:grpSpPr>
-      <p:sp>
-        <p:nvSpPr>
-          <p:cNvPr id="4" name="正五边形 3"/>
-          <p:cNvSpPr/>
-          <p:nvPr/>
-        </p:nvSpPr>
-        <p:spPr>
-          <a:xfrm>
-            <a:off x="1095375" y="828674"/>
-            <a:ext cx="2962275" cy="2695575"/>
-          </a:xfrm>
-          <a:prstGeom prst="pentagon">
-            <a:avLst/>
-          </a:prstGeom>
-          <a:pattFill prst="diagBrick">
-            <a:fgClr>
-              <a:schemeClr val="accent4"/>
-            </a:fgClr>
-            <a:bgClr>
-              <a:schemeClr val="bg1"/>
-            </a:bgClr>
-          </a:pattFill>
-          <a:ln w="63500">
-            <a:gradFill flip="none" rotWithShape="1">
-              <a:gsLst>
-                <a:gs pos="0">
-                  <a:schemeClr val="accent1">
-                    <a:lumMod val="0"/>
-                    <a:lumOff val="100000"/>
-                  </a:schemeClr>
-                </a:gs>
-                <a:gs pos="0">
-                  <a:schemeClr val="accent5">
-                    <a:lumMod val="85000"/>
-                  </a:schemeClr>
-                </a:gs>
-              </a:gsLst>
-              <a:path path="circle">
-                <a:fillToRect l="50000" t="-80000" r="50000" b="180000"/>
-              </a:path>
-              <a:tileRect/>
-            </a:gradFill>
-          </a:ln>
-        </p:spPr>
-        <p:style>
-          <a:lnRef idx="2">
-            <a:schemeClr val="accent1">
-              <a:shade val="50000"/>
-            </a:schemeClr>
-          </a:lnRef>
-          <a:fillRef idx="1">
-            <a:schemeClr val="accent1"/>
-          </a:fillRef>
-          <a:effectRef idx="0">
-            <a:schemeClr val="accent1"/>
-          </a:effectRef>
-          <a:fontRef idx="minor">
-            <a:schemeClr val="lt1"/>
-          </a:fontRef>
-        </p:style>
-        <p:txBody>
-          <a:bodyPr rtlCol="0" anchor="ctr"/>
-          <a:lstStyle/>
-          <a:p>
-            <a:pPr algn="ctr"/>
-            <a:endParaRPr lang="zh-CN" altLang="en-US" dirty="0">
-              <a:latin typeface="Arial" panose="020B0604020202020204" pitchFamily="34" charset="0"/>
-              <a:ea typeface="微软雅黑" panose="020B0503020204020204" pitchFamily="34" charset="-122"/>
-              <a:cs typeface="Arial" panose="020B0604020202020204" pitchFamily="34" charset="0"/>
-            </a:endParaRPr>
-          </a:p>
-        </p:txBody>
-      </p:sp>
-      <p:sp>
-        <p:nvSpPr>
-          <p:cNvPr id="5" name="矩形 4"/>
-          <p:cNvSpPr/>
-          <p:nvPr/>
-        </p:nvSpPr>
-        <p:spPr>
-          <a:xfrm>
-            <a:off x="1575276" y="2650603"/>
-            <a:ext cx="2002471" cy="523220"/>
-          </a:xfrm>
-          <a:prstGeom prst="rect">
-            <a:avLst/>
-          </a:prstGeom>
-        </p:spPr>
-        <p:txBody>
-          <a:bodyPr wrap="none">
-            <a:spAutoFit/>
-          </a:bodyPr>
-          <a:lstStyle/>
-          <a:p>
-            <a:pPr algn="ctr"/>
-            <a:r>
-              <a:rPr lang="en-US" altLang="zh-CN" sz="2800" spc="-150" dirty="0">
-                <a:solidFill>
-                  <a:schemeClr val="accent1">
-                    <a:lumMod val="50000"/>
-                  </a:schemeClr>
-                </a:solidFill>
-                <a:latin typeface="Fira Code Medium" pitchFamily="1" charset="0"/>
-                <a:ea typeface="Fira Code Medium" pitchFamily="1" charset="0"/>
-                <a:cs typeface="Fira Code Medium" pitchFamily="1" charset="0"/>
-              </a:rPr>
-              <a:t>Stata 101</a:t>
-            </a:r>
-            <a:endParaRPr lang="zh-CN" altLang="en-US" sz="2800" spc="-150" dirty="0">
-              <a:solidFill>
-                <a:schemeClr val="accent1">
-                  <a:lumMod val="50000"/>
-                </a:schemeClr>
-              </a:solidFill>
-              <a:latin typeface="Fira Code Medium" pitchFamily="1" charset="0"/>
-              <a:ea typeface="微软雅黑" panose="020B0503020204020204" pitchFamily="34" charset="-122"/>
-              <a:cs typeface="Fira Code Medium" pitchFamily="1" charset="0"/>
-            </a:endParaRPr>
-          </a:p>
-        </p:txBody>
-      </p:sp>
-      <p:sp>
-        <p:nvSpPr>
-          <p:cNvPr id="6" name="流程图: 多文档 5"/>
-          <p:cNvSpPr/>
-          <p:nvPr/>
-        </p:nvSpPr>
-        <p:spPr>
-          <a:xfrm>
-            <a:off x="2096161" y="1551007"/>
-            <a:ext cx="960699" cy="868102"/>
-          </a:xfrm>
-          <a:prstGeom prst="flowChartMultidocument">
-            <a:avLst/>
-          </a:prstGeom>
-          <a:solidFill>
-            <a:schemeClr val="accent2">
-              <a:lumMod val="60000"/>
-              <a:lumOff val="40000"/>
-              <a:alpha val="61000"/>
-            </a:schemeClr>
-          </a:solidFill>
-        </p:spPr>
-        <p:style>
-          <a:lnRef idx="2">
-            <a:schemeClr val="accent1">
-              <a:shade val="50000"/>
-            </a:schemeClr>
-          </a:lnRef>
-          <a:fillRef idx="1">
-            <a:schemeClr val="accent1"/>
-          </a:fillRef>
-          <a:effectRef idx="0">
-            <a:schemeClr val="accent1"/>
-          </a:effectRef>
-          <a:fontRef idx="minor">
-            <a:schemeClr val="lt1"/>
-          </a:fontRef>
-        </p:style>
-        <p:txBody>
-          <a:bodyPr rtlCol="0" anchor="ctr"/>
-          <a:lstStyle/>
-          <a:p>
-            <a:pPr algn="ctr"/>
-            <a:endParaRPr lang="zh-CN" altLang="en-US"/>
-          </a:p>
-        </p:txBody>
-      </p:sp>
-      <p:pic>
-        <p:nvPicPr>
-          <p:cNvPr id="7" name="图片 6"/>
-          <p:cNvPicPr>
-            <a:picLocks noChangeAspect="1"/>
-          </p:cNvPicPr>
-          <p:nvPr/>
-        </p:nvPicPr>
-        <p:blipFill>
-          <a:blip r:embed="rId2"/>
-          <a:stretch>
-            <a:fillRect/>
-          </a:stretch>
-        </p:blipFill>
-        <p:spPr>
-          <a:xfrm>
-            <a:off x="6950774" y="1431630"/>
-            <a:ext cx="3036071" cy="2767824"/>
-          </a:xfrm>
-          <a:prstGeom prst="rect">
-            <a:avLst/>
-          </a:prstGeom>
-        </p:spPr>
-      </p:pic>
-    </p:spTree>
-    <p:extLst>
-      <p:ext uri="{BB962C8B-B14F-4D97-AF65-F5344CB8AC3E}">
-        <p14:creationId xmlns:p14="http://schemas.microsoft.com/office/powerpoint/2010/main" val="968000087"/>
-      </p:ext>
-    </p:extLst>
-  </p:cSld>
-  <p:clrMapOvr>
-    <a:masterClrMapping/>
-  </p:clrMapOvr>
-</p:sld>
-</file>
-
-<file path=ppt/slides/slide5.xml><?xml version="1.0" encoding="utf-8"?>
-<p:sld xmlns:a="http://schemas.openxmlformats.org/drawingml/2006/main" xmlns:r="http://schemas.openxmlformats.org/officeDocument/2006/relationships" xmlns:p="http://schemas.openxmlformats.org/presentationml/2006/main">
-  <p:cSld>
-    <p:spTree>
-      <p:nvGrpSpPr>
-        <p:cNvPr id="1" name=""/>
-        <p:cNvGrpSpPr/>
-        <p:nvPr/>
-      </p:nvGrpSpPr>
-      <p:grpSpPr>
-        <a:xfrm>
-          <a:off x="0" y="0"/>
-          <a:ext cx="0" cy="0"/>
-          <a:chOff x="0" y="0"/>
-          <a:chExt cx="0" cy="0"/>
-        </a:xfrm>
-      </p:grpSpPr>
-      <p:sp>
-        <p:nvSpPr>
-          <p:cNvPr id="4" name="正五边形 3"/>
-          <p:cNvSpPr/>
-          <p:nvPr/>
-        </p:nvSpPr>
-        <p:spPr>
-          <a:xfrm>
-            <a:off x="1095375" y="828674"/>
-            <a:ext cx="2962275" cy="2695575"/>
-          </a:xfrm>
-          <a:prstGeom prst="pentagon">
-            <a:avLst/>
-          </a:prstGeom>
-          <a:pattFill prst="diagBrick">
-            <a:fgClr>
-              <a:schemeClr val="accent4"/>
-            </a:fgClr>
-            <a:bgClr>
-              <a:schemeClr val="bg1"/>
-            </a:bgClr>
-          </a:pattFill>
-          <a:ln w="63500">
-            <a:gradFill flip="none" rotWithShape="1">
-              <a:gsLst>
-                <a:gs pos="0">
-                  <a:schemeClr val="accent1">
-                    <a:lumMod val="0"/>
-                    <a:lumOff val="100000"/>
-                  </a:schemeClr>
-                </a:gs>
-                <a:gs pos="0">
-                  <a:schemeClr val="accent5">
-                    <a:lumMod val="85000"/>
-                  </a:schemeClr>
-                </a:gs>
-              </a:gsLst>
-              <a:path path="circle">
-                <a:fillToRect l="50000" t="-80000" r="50000" b="180000"/>
-              </a:path>
-              <a:tileRect/>
-            </a:gradFill>
-          </a:ln>
-        </p:spPr>
-        <p:style>
-          <a:lnRef idx="2">
-            <a:schemeClr val="accent1">
-              <a:shade val="50000"/>
-            </a:schemeClr>
-          </a:lnRef>
-          <a:fillRef idx="1">
-            <a:schemeClr val="accent1"/>
-          </a:fillRef>
-          <a:effectRef idx="0">
-            <a:schemeClr val="accent1"/>
-          </a:effectRef>
-          <a:fontRef idx="minor">
-            <a:schemeClr val="lt1"/>
-          </a:fontRef>
-        </p:style>
-        <p:txBody>
-          <a:bodyPr rtlCol="0" anchor="ctr"/>
-          <a:lstStyle/>
-          <a:p>
-            <a:pPr algn="ctr"/>
-            <a:endParaRPr lang="zh-CN" altLang="en-US" dirty="0">
-              <a:latin typeface="Arial" panose="020B0604020202020204" pitchFamily="34" charset="0"/>
-              <a:ea typeface="微软雅黑" panose="020B0503020204020204" pitchFamily="34" charset="-122"/>
-              <a:cs typeface="Arial" panose="020B0604020202020204" pitchFamily="34" charset="0"/>
-            </a:endParaRPr>
-          </a:p>
-        </p:txBody>
-      </p:sp>
-      <p:sp>
-        <p:nvSpPr>
-          <p:cNvPr id="5" name="矩形 4"/>
-          <p:cNvSpPr/>
-          <p:nvPr/>
-        </p:nvSpPr>
-        <p:spPr>
-          <a:xfrm>
-            <a:off x="1575276" y="2650603"/>
-            <a:ext cx="2002471" cy="523220"/>
-          </a:xfrm>
-          <a:prstGeom prst="rect">
-            <a:avLst/>
-          </a:prstGeom>
-        </p:spPr>
-        <p:txBody>
-          <a:bodyPr wrap="none">
-            <a:spAutoFit/>
-          </a:bodyPr>
-          <a:lstStyle/>
-          <a:p>
-            <a:pPr algn="ctr"/>
-            <a:r>
-              <a:rPr lang="en-US" altLang="zh-CN" sz="2800" spc="-150" dirty="0">
-                <a:solidFill>
-                  <a:schemeClr val="accent1">
-                    <a:lumMod val="50000"/>
-                  </a:schemeClr>
-                </a:solidFill>
-                <a:latin typeface="Fira Code Medium" pitchFamily="1" charset="0"/>
-                <a:ea typeface="Fira Code Medium" pitchFamily="1" charset="0"/>
-                <a:cs typeface="Fira Code Medium" pitchFamily="1" charset="0"/>
-              </a:rPr>
-              <a:t>Stata 101</a:t>
-            </a:r>
-            <a:endParaRPr lang="zh-CN" altLang="en-US" sz="2800" spc="-150" dirty="0">
-              <a:solidFill>
-                <a:schemeClr val="accent1">
-                  <a:lumMod val="50000"/>
-                </a:schemeClr>
-              </a:solidFill>
-              <a:latin typeface="Fira Code Medium" pitchFamily="1" charset="0"/>
-              <a:ea typeface="微软雅黑" panose="020B0503020204020204" pitchFamily="34" charset="-122"/>
-              <a:cs typeface="Fira Code Medium" pitchFamily="1" charset="0"/>
-            </a:endParaRPr>
-          </a:p>
-        </p:txBody>
-      </p:sp>
-      <p:sp>
-        <p:nvSpPr>
-          <p:cNvPr id="6" name="流程图: 多文档 5"/>
-          <p:cNvSpPr/>
-          <p:nvPr/>
-        </p:nvSpPr>
-        <p:spPr>
-          <a:xfrm>
-            <a:off x="2096161" y="1551007"/>
-            <a:ext cx="960699" cy="868102"/>
-          </a:xfrm>
-          <a:prstGeom prst="flowChartMultidocument">
-            <a:avLst/>
-          </a:prstGeom>
-          <a:solidFill>
-            <a:schemeClr val="accent2">
-              <a:lumMod val="60000"/>
-              <a:lumOff val="40000"/>
-              <a:alpha val="61000"/>
-            </a:schemeClr>
-          </a:solidFill>
-        </p:spPr>
-        <p:style>
-          <a:lnRef idx="2">
-            <a:schemeClr val="accent1">
-              <a:shade val="50000"/>
-            </a:schemeClr>
-          </a:lnRef>
-          <a:fillRef idx="1">
-            <a:schemeClr val="accent1"/>
-          </a:fillRef>
-          <a:effectRef idx="0">
-            <a:schemeClr val="accent1"/>
-          </a:effectRef>
-          <a:fontRef idx="minor">
-            <a:schemeClr val="lt1"/>
-          </a:fontRef>
-        </p:style>
-        <p:txBody>
-          <a:bodyPr rtlCol="0" anchor="ctr"/>
-          <a:lstStyle/>
-          <a:p>
-            <a:pPr algn="ctr"/>
-            <a:endParaRPr lang="zh-CN" altLang="en-US"/>
-          </a:p>
-        </p:txBody>
-      </p:sp>
-      <p:pic>
-        <p:nvPicPr>
-          <p:cNvPr id="7" name="图片 6"/>
-          <p:cNvPicPr>
-            <a:picLocks noChangeAspect="1"/>
-          </p:cNvPicPr>
-          <p:nvPr/>
-        </p:nvPicPr>
-        <p:blipFill>
-          <a:blip r:embed="rId2"/>
-          <a:stretch>
-            <a:fillRect/>
-          </a:stretch>
-        </p:blipFill>
-        <p:spPr>
-          <a:xfrm>
-            <a:off x="6950774" y="1431630"/>
-            <a:ext cx="3036071" cy="2767824"/>
-          </a:xfrm>
-          <a:prstGeom prst="rect">
-            <a:avLst/>
-          </a:prstGeom>
-        </p:spPr>
-      </p:pic>
-    </p:spTree>
-    <p:extLst>
-      <p:ext uri="{BB962C8B-B14F-4D97-AF65-F5344CB8AC3E}">
-        <p14:creationId xmlns:p14="http://schemas.microsoft.com/office/powerpoint/2010/main" val="824438972"/>
-      </p:ext>
-    </p:extLst>
-  </p:cSld>
-  <p:clrMapOvr>
-    <a:masterClrMapping/>
-  </p:clrMapOvr>
 </p:sld>
 </file>
 
